--- a/Daily Agendas/Day6.3_PythonMoreVariables2.pptx
+++ b/Daily Agendas/Day6.3_PythonMoreVariables2.pptx
@@ -5,11 +5,10 @@
     <p:sldMasterId id="2147483648" r:id="rId1"/>
   </p:sldMasterIdLst>
   <p:notesMasterIdLst>
-    <p:notesMasterId r:id="rId4"/>
+    <p:notesMasterId r:id="rId3"/>
   </p:notesMasterIdLst>
   <p:sldIdLst>
     <p:sldId id="256" r:id="rId2"/>
-    <p:sldId id="257" r:id="rId3"/>
   </p:sldIdLst>
   <p:sldSz cx="9144000" cy="6858000" type="screen4x3"/>
   <p:notesSz cx="6858000" cy="9144000"/>
@@ -209,7 +208,7 @@
           <a:p>
             <a:fld id="{02927826-3378-4ECF-BA4E-36C71D5ECCFE}" type="datetimeFigureOut">
               <a:rPr lang="en-US" smtClean="0"/>
-              <a:t>10/8/2019</a:t>
+              <a:t>10/9/2019</a:t>
             </a:fld>
             <a:endParaRPr lang="en-US"/>
           </a:p>
@@ -741,7 +740,7 @@
             <a:fld id="{1D8BD707-D9CF-40AE-B4C6-C98DA3205C09}" type="datetimeFigureOut">
               <a:rPr lang="en-US" smtClean="0"/>
               <a:pPr/>
-              <a:t>10/8/2019</a:t>
+              <a:t>10/9/2019</a:t>
             </a:fld>
             <a:endParaRPr lang="en-US"/>
           </a:p>
@@ -906,7 +905,7 @@
             <a:fld id="{1D8BD707-D9CF-40AE-B4C6-C98DA3205C09}" type="datetimeFigureOut">
               <a:rPr lang="en-US" smtClean="0"/>
               <a:pPr/>
-              <a:t>10/8/2019</a:t>
+              <a:t>10/9/2019</a:t>
             </a:fld>
             <a:endParaRPr lang="en-US"/>
           </a:p>
@@ -1081,7 +1080,7 @@
             <a:fld id="{1D8BD707-D9CF-40AE-B4C6-C98DA3205C09}" type="datetimeFigureOut">
               <a:rPr lang="en-US" smtClean="0"/>
               <a:pPr/>
-              <a:t>10/8/2019</a:t>
+              <a:t>10/9/2019</a:t>
             </a:fld>
             <a:endParaRPr lang="en-US"/>
           </a:p>
@@ -1246,7 +1245,7 @@
             <a:fld id="{1D8BD707-D9CF-40AE-B4C6-C98DA3205C09}" type="datetimeFigureOut">
               <a:rPr lang="en-US" smtClean="0"/>
               <a:pPr/>
-              <a:t>10/8/2019</a:t>
+              <a:t>10/9/2019</a:t>
             </a:fld>
             <a:endParaRPr lang="en-US"/>
           </a:p>
@@ -1488,7 +1487,7 @@
             <a:fld id="{1D8BD707-D9CF-40AE-B4C6-C98DA3205C09}" type="datetimeFigureOut">
               <a:rPr lang="en-US" smtClean="0"/>
               <a:pPr/>
-              <a:t>10/8/2019</a:t>
+              <a:t>10/9/2019</a:t>
             </a:fld>
             <a:endParaRPr lang="en-US"/>
           </a:p>
@@ -1770,7 +1769,7 @@
             <a:fld id="{1D8BD707-D9CF-40AE-B4C6-C98DA3205C09}" type="datetimeFigureOut">
               <a:rPr lang="en-US" smtClean="0"/>
               <a:pPr/>
-              <a:t>10/8/2019</a:t>
+              <a:t>10/9/2019</a:t>
             </a:fld>
             <a:endParaRPr lang="en-US"/>
           </a:p>
@@ -2186,7 +2185,7 @@
             <a:fld id="{1D8BD707-D9CF-40AE-B4C6-C98DA3205C09}" type="datetimeFigureOut">
               <a:rPr lang="en-US" smtClean="0"/>
               <a:pPr/>
-              <a:t>10/8/2019</a:t>
+              <a:t>10/9/2019</a:t>
             </a:fld>
             <a:endParaRPr lang="en-US"/>
           </a:p>
@@ -2300,7 +2299,7 @@
             <a:fld id="{1D8BD707-D9CF-40AE-B4C6-C98DA3205C09}" type="datetimeFigureOut">
               <a:rPr lang="en-US" smtClean="0"/>
               <a:pPr/>
-              <a:t>10/8/2019</a:t>
+              <a:t>10/9/2019</a:t>
             </a:fld>
             <a:endParaRPr lang="en-US"/>
           </a:p>
@@ -2392,7 +2391,7 @@
             <a:fld id="{1D8BD707-D9CF-40AE-B4C6-C98DA3205C09}" type="datetimeFigureOut">
               <a:rPr lang="en-US" smtClean="0"/>
               <a:pPr/>
-              <a:t>10/8/2019</a:t>
+              <a:t>10/9/2019</a:t>
             </a:fld>
             <a:endParaRPr lang="en-US"/>
           </a:p>
@@ -2664,7 +2663,7 @@
             <a:fld id="{1D8BD707-D9CF-40AE-B4C6-C98DA3205C09}" type="datetimeFigureOut">
               <a:rPr lang="en-US" smtClean="0"/>
               <a:pPr/>
-              <a:t>10/8/2019</a:t>
+              <a:t>10/9/2019</a:t>
             </a:fld>
             <a:endParaRPr lang="en-US"/>
           </a:p>
@@ -2913,7 +2912,7 @@
             <a:fld id="{1D8BD707-D9CF-40AE-B4C6-C98DA3205C09}" type="datetimeFigureOut">
               <a:rPr lang="en-US" smtClean="0"/>
               <a:pPr/>
-              <a:t>10/8/2019</a:t>
+              <a:t>10/9/2019</a:t>
             </a:fld>
             <a:endParaRPr lang="en-US"/>
           </a:p>
@@ -3121,7 +3120,7 @@
             <a:fld id="{1D8BD707-D9CF-40AE-B4C6-C98DA3205C09}" type="datetimeFigureOut">
               <a:rPr lang="en-US" smtClean="0"/>
               <a:pPr/>
-              <a:t>10/8/2019</a:t>
+              <a:t>10/9/2019</a:t>
             </a:fld>
             <a:endParaRPr lang="en-US"/>
           </a:p>
@@ -3509,15 +3508,7 @@
           <a:p>
             <a:r>
               <a:rPr lang="en-US" dirty="0" smtClean="0"/>
-              <a:t>Python More Variables 2 – </a:t>
-            </a:r>
-            <a:r>
-              <a:rPr lang="en-US" dirty="0" smtClean="0"/>
-              <a:t>Oct </a:t>
-            </a:r>
-            <a:r>
-              <a:rPr lang="en-US" dirty="0" smtClean="0"/>
-              <a:t>09</a:t>
+              <a:t>Python More Variables 2 – Oct 09</a:t>
             </a:r>
             <a:endParaRPr lang="en-US" dirty="0"/>
           </a:p>
@@ -3557,7 +3548,18 @@
             <a:pPr lvl="2"/>
             <a:r>
               <a:rPr lang="en-CA" dirty="0" smtClean="0"/>
-              <a:t>Presentation / Note – Booleans &amp; Strings</a:t>
+              <a:t>Presentation / Note – </a:t>
+            </a:r>
+            <a:r>
+              <a:rPr lang="en-CA" dirty="0" smtClean="0"/>
+              <a:t>Booleans</a:t>
+            </a:r>
+          </a:p>
+          <a:p>
+            <a:pPr lvl="2"/>
+            <a:r>
+              <a:rPr lang="en-CA" dirty="0" smtClean="0"/>
+              <a:t>Student Questions: #1</a:t>
             </a:r>
             <a:endParaRPr lang="en-CA" dirty="0" smtClean="0"/>
           </a:p>
@@ -3583,7 +3585,7 @@
               <a:t> / </a:t>
             </a:r>
             <a:r>
-              <a:rPr lang="en-CA" smtClean="0"/>
+              <a:rPr lang="en-CA" dirty="0" err="1" smtClean="0"/>
               <a:t>Liban</a:t>
             </a:r>
             <a:endParaRPr lang="en-CA" dirty="0" smtClean="0"/>
@@ -3594,7 +3596,6 @@
               <a:rPr lang="en-CA" dirty="0" smtClean="0"/>
               <a:t>Check Spreadsheet – Complete Missing Work</a:t>
             </a:r>
-            <a:endParaRPr lang="en-CA" dirty="0" smtClean="0"/>
           </a:p>
           <a:p>
             <a:pPr lvl="2"/>
@@ -3625,113 +3626,13 @@
             <a:pPr lvl="1"/>
             <a:r>
               <a:rPr lang="en-CA" sz="2400" dirty="0" smtClean="0"/>
-              <a:t>Tomorrow: </a:t>
-            </a:r>
-            <a:r>
-              <a:rPr lang="en-CA" sz="2400" dirty="0" smtClean="0"/>
-              <a:t>Continue Lesson B.4</a:t>
+              <a:t>Tomorrow: Continue Lesson B.4</a:t>
             </a:r>
             <a:endParaRPr lang="en-US" sz="2400" dirty="0"/>
           </a:p>
         </p:txBody>
       </p:sp>
     </p:spTree>
-  </p:cSld>
-  <p:clrMapOvr>
-    <a:masterClrMapping/>
-  </p:clrMapOvr>
-  <p:timing>
-    <p:tnLst>
-      <p:par>
-        <p:cTn id="1" dur="indefinite" restart="never" nodeType="tmRoot"/>
-      </p:par>
-    </p:tnLst>
-  </p:timing>
-</p:sld>
-</file>
-
-<file path=ppt/slides/slide2.xml><?xml version="1.0" encoding="utf-8"?>
-<p:sld xmlns:a="http://schemas.openxmlformats.org/drawingml/2006/main" xmlns:r="http://schemas.openxmlformats.org/officeDocument/2006/relationships" xmlns:p="http://schemas.openxmlformats.org/presentationml/2006/main">
-  <p:cSld>
-    <p:spTree>
-      <p:nvGrpSpPr>
-        <p:cNvPr id="1" name=""/>
-        <p:cNvGrpSpPr/>
-        <p:nvPr/>
-      </p:nvGrpSpPr>
-      <p:grpSpPr>
-        <a:xfrm>
-          <a:off x="0" y="0"/>
-          <a:ext cx="0" cy="0"/>
-          <a:chOff x="0" y="0"/>
-          <a:chExt cx="0" cy="0"/>
-        </a:xfrm>
-      </p:grpSpPr>
-      <p:sp>
-        <p:nvSpPr>
-          <p:cNvPr id="2" name="Title 1"/>
-          <p:cNvSpPr>
-            <a:spLocks noGrp="1"/>
-          </p:cNvSpPr>
-          <p:nvPr>
-            <p:ph type="title"/>
-          </p:nvPr>
-        </p:nvSpPr>
-        <p:spPr/>
-        <p:txBody>
-          <a:bodyPr/>
-          <a:lstStyle/>
-          <a:p>
-            <a:endParaRPr lang="en-US"/>
-          </a:p>
-        </p:txBody>
-      </p:sp>
-      <p:sp>
-        <p:nvSpPr>
-          <p:cNvPr id="3" name="Content Placeholder 2"/>
-          <p:cNvSpPr>
-            <a:spLocks noGrp="1"/>
-          </p:cNvSpPr>
-          <p:nvPr>
-            <p:ph idx="1"/>
-          </p:nvPr>
-        </p:nvSpPr>
-        <p:spPr/>
-        <p:txBody>
-          <a:bodyPr/>
-          <a:lstStyle/>
-          <a:p>
-            <a:r>
-              <a:rPr lang="en-CA" dirty="0" err="1" smtClean="0"/>
-              <a:t>Neha</a:t>
-            </a:r>
-            <a:r>
-              <a:rPr lang="en-CA" dirty="0" smtClean="0"/>
-              <a:t> </a:t>
-            </a:r>
-            <a:r>
-              <a:rPr lang="en-CA" dirty="0" err="1" smtClean="0"/>
-              <a:t>Narula</a:t>
-            </a:r>
-            <a:endParaRPr lang="en-CA" dirty="0" smtClean="0"/>
-          </a:p>
-          <a:p>
-            <a:r>
-              <a:rPr lang="en-US" dirty="0">
-                <a:hlinkClick r:id="rId2"/>
-              </a:rPr>
-              <a:t>https://www.ted.com/talks/neha_narula_the_future_of_money/discussion</a:t>
-            </a:r>
-            <a:endParaRPr lang="en-US" dirty="0"/>
-          </a:p>
-        </p:txBody>
-      </p:sp>
-    </p:spTree>
-    <p:extLst>
-      <p:ext uri="{BB962C8B-B14F-4D97-AF65-F5344CB8AC3E}">
-        <p14:creationId xmlns:p14="http://schemas.microsoft.com/office/powerpoint/2010/main" val="1974496112"/>
-      </p:ext>
-    </p:extLst>
   </p:cSld>
   <p:clrMapOvr>
     <a:masterClrMapping/>
